--- a/mockito入门.pptx
+++ b/mockito入门.pptx
@@ -849,7 +849,7 @@
             <a:fld id="{B61BEF0D-F0BB-DE4B-95CE-6DB70DBA9567}" type="datetimeFigureOut">
               <a:rPr lang="en-US" dirty="0"/>
               <a:pPr/>
-              <a:t>3/9/2020</a:t>
+              <a:t>3/10/2020</a:t>
             </a:fld>
             <a:endParaRPr lang="en-US" dirty="0"/>
           </a:p>
@@ -1097,7 +1097,7 @@
             <a:fld id="{B61BEF0D-F0BB-DE4B-95CE-6DB70DBA9567}" type="datetimeFigureOut">
               <a:rPr lang="en-US" dirty="0"/>
               <a:pPr/>
-              <a:t>3/9/2020</a:t>
+              <a:t>3/10/2020</a:t>
             </a:fld>
             <a:endParaRPr lang="en-US" dirty="0"/>
           </a:p>
@@ -1408,7 +1408,7 @@
             <a:fld id="{B61BEF0D-F0BB-DE4B-95CE-6DB70DBA9567}" type="datetimeFigureOut">
               <a:rPr lang="en-US" dirty="0"/>
               <a:pPr/>
-              <a:t>3/9/2020</a:t>
+              <a:t>3/10/2020</a:t>
             </a:fld>
             <a:endParaRPr lang="en-US" dirty="0"/>
           </a:p>
@@ -1746,7 +1746,7 @@
             <a:fld id="{B61BEF0D-F0BB-DE4B-95CE-6DB70DBA9567}" type="datetimeFigureOut">
               <a:rPr lang="en-US" dirty="0"/>
               <a:pPr/>
-              <a:t>3/9/2020</a:t>
+              <a:t>3/10/2020</a:t>
             </a:fld>
             <a:endParaRPr lang="en-US" dirty="0"/>
           </a:p>
@@ -2057,7 +2057,7 @@
             <a:fld id="{B61BEF0D-F0BB-DE4B-95CE-6DB70DBA9567}" type="datetimeFigureOut">
               <a:rPr lang="en-US" dirty="0"/>
               <a:pPr/>
-              <a:t>3/9/2020</a:t>
+              <a:t>3/10/2020</a:t>
             </a:fld>
             <a:endParaRPr lang="en-US" dirty="0"/>
           </a:p>
@@ -2447,7 +2447,7 @@
             <a:fld id="{B61BEF0D-F0BB-DE4B-95CE-6DB70DBA9567}" type="datetimeFigureOut">
               <a:rPr lang="en-US" dirty="0"/>
               <a:pPr/>
-              <a:t>3/9/2020</a:t>
+              <a:t>3/10/2020</a:t>
             </a:fld>
             <a:endParaRPr lang="en-US" dirty="0"/>
           </a:p>
@@ -2613,7 +2613,7 @@
           <a:p>
             <a:fld id="{55C6B4A9-1611-4792-9094-5F34BCA07E0B}" type="datetimeFigureOut">
               <a:rPr lang="en-US" dirty="0"/>
-              <a:t>3/9/2020</a:t>
+              <a:t>3/10/2020</a:t>
             </a:fld>
             <a:endParaRPr lang="en-US" dirty="0"/>
           </a:p>
@@ -2789,7 +2789,7 @@
             <a:fld id="{B61BEF0D-F0BB-DE4B-95CE-6DB70DBA9567}" type="datetimeFigureOut">
               <a:rPr lang="en-US" dirty="0"/>
               <a:pPr/>
-              <a:t>3/9/2020</a:t>
+              <a:t>3/10/2020</a:t>
             </a:fld>
             <a:endParaRPr lang="en-US" dirty="0"/>
           </a:p>
@@ -2962,7 +2962,7 @@
             <a:fld id="{B61BEF0D-F0BB-DE4B-95CE-6DB70DBA9567}" type="datetimeFigureOut">
               <a:rPr lang="en-US" dirty="0"/>
               <a:pPr/>
-              <a:t>3/9/2020</a:t>
+              <a:t>3/10/2020</a:t>
             </a:fld>
             <a:endParaRPr lang="en-US" dirty="0"/>
           </a:p>
@@ -3206,7 +3206,7 @@
             <a:fld id="{B61BEF0D-F0BB-DE4B-95CE-6DB70DBA9567}" type="datetimeFigureOut">
               <a:rPr lang="en-US" dirty="0"/>
               <a:pPr/>
-              <a:t>3/9/2020</a:t>
+              <a:t>3/10/2020</a:t>
             </a:fld>
             <a:endParaRPr lang="en-US" dirty="0"/>
           </a:p>
@@ -3434,7 +3434,7 @@
           <a:p>
             <a:fld id="{EB712588-04B1-427B-82EE-E8DB90309F08}" type="datetimeFigureOut">
               <a:rPr lang="en-US" dirty="0"/>
-              <a:t>3/9/2020</a:t>
+              <a:t>3/10/2020</a:t>
             </a:fld>
             <a:endParaRPr lang="en-US" dirty="0"/>
           </a:p>
@@ -3804,7 +3804,7 @@
             <a:fld id="{B61BEF0D-F0BB-DE4B-95CE-6DB70DBA9567}" type="datetimeFigureOut">
               <a:rPr lang="en-US" dirty="0"/>
               <a:pPr/>
-              <a:t>3/9/2020</a:t>
+              <a:t>3/10/2020</a:t>
             </a:fld>
             <a:endParaRPr lang="en-US" dirty="0"/>
           </a:p>
@@ -3924,7 +3924,7 @@
             <a:fld id="{B61BEF0D-F0BB-DE4B-95CE-6DB70DBA9567}" type="datetimeFigureOut">
               <a:rPr lang="en-US" dirty="0"/>
               <a:pPr/>
-              <a:t>3/9/2020</a:t>
+              <a:t>3/10/2020</a:t>
             </a:fld>
             <a:endParaRPr lang="en-US" dirty="0"/>
           </a:p>
@@ -4016,7 +4016,7 @@
             <a:fld id="{B61BEF0D-F0BB-DE4B-95CE-6DB70DBA9567}" type="datetimeFigureOut">
               <a:rPr lang="en-US" dirty="0"/>
               <a:pPr/>
-              <a:t>3/9/2020</a:t>
+              <a:t>3/10/2020</a:t>
             </a:fld>
             <a:endParaRPr lang="en-US" dirty="0"/>
           </a:p>
@@ -4267,7 +4267,7 @@
           <a:p>
             <a:fld id="{42A54C80-263E-416B-A8E0-580EDEADCBDC}" type="datetimeFigureOut">
               <a:rPr lang="en-US" dirty="0"/>
-              <a:t>3/9/2020</a:t>
+              <a:t>3/10/2020</a:t>
             </a:fld>
             <a:endParaRPr lang="en-US" dirty="0"/>
           </a:p>
@@ -4526,7 +4526,7 @@
             <a:fld id="{B61BEF0D-F0BB-DE4B-95CE-6DB70DBA9567}" type="datetimeFigureOut">
               <a:rPr lang="en-US" dirty="0"/>
               <a:pPr/>
-              <a:t>3/9/2020</a:t>
+              <a:t>3/10/2020</a:t>
             </a:fld>
             <a:endParaRPr lang="en-US" dirty="0"/>
           </a:p>
@@ -5266,7 +5266,7 @@
             <a:fld id="{B61BEF0D-F0BB-DE4B-95CE-6DB70DBA9567}" type="datetimeFigureOut">
               <a:rPr lang="en-US" dirty="0"/>
               <a:pPr/>
-              <a:t>3/9/2020</a:t>
+              <a:t>3/10/2020</a:t>
             </a:fld>
             <a:endParaRPr lang="en-US" dirty="0"/>
           </a:p>
@@ -6133,6 +6133,34 @@
             </a:r>
           </a:p>
           <a:p>
+            <a:pPr lvl="1"/>
+            <a:r>
+              <a:rPr lang="zh-CN" altLang="en-US" dirty="0"/>
+              <a:t>首先尝试返回</a:t>
+            </a:r>
+            <a:r>
+              <a:rPr lang="en-US" altLang="zh-CN" dirty="0"/>
+              <a:t>0</a:t>
+            </a:r>
+            <a:r>
+              <a:rPr lang="zh-CN" altLang="en-US" dirty="0"/>
+              <a:t>值，然后尝试</a:t>
+            </a:r>
+            <a:r>
+              <a:rPr lang="en-US" altLang="zh-CN" dirty="0"/>
+              <a:t>mock</a:t>
+            </a:r>
+            <a:r>
+              <a:rPr lang="zh-CN" altLang="en-US" dirty="0"/>
+              <a:t>，不行就返回</a:t>
+            </a:r>
+            <a:r>
+              <a:rPr lang="en-US" altLang="zh-CN"/>
+              <a:t>Null</a:t>
+            </a:r>
+            <a:endParaRPr lang="en-US" altLang="zh-CN" dirty="0"/>
+          </a:p>
+          <a:p>
             <a:r>
               <a:rPr lang="en-US" altLang="zh-CN" dirty="0"/>
               <a:t>RETURNS_DEEP_STUBS</a:t>
@@ -11361,6 +11389,37 @@
               <a:rPr lang="en-US" altLang="zh-CN" dirty="0"/>
               <a:t>).get(999);</a:t>
             </a:r>
+          </a:p>
+          <a:p>
+            <a:r>
+              <a:rPr lang="en-US" altLang="zh-CN" dirty="0" err="1"/>
+              <a:t>doNothing</a:t>
+            </a:r>
+            <a:r>
+              <a:rPr lang="en-US" altLang="zh-CN" dirty="0"/>
+              <a:t>().when(</a:t>
+            </a:r>
+            <a:r>
+              <a:rPr lang="en-US" altLang="zh-CN" dirty="0" err="1"/>
+              <a:t>mockObject</a:t>
+            </a:r>
+            <a:r>
+              <a:rPr lang="en-US" altLang="zh-CN" dirty="0"/>
+              <a:t>).</a:t>
+            </a:r>
+            <a:r>
+              <a:rPr lang="en-US" altLang="zh-CN" dirty="0" err="1"/>
+              <a:t>voidMethod</a:t>
+            </a:r>
+            <a:r>
+              <a:rPr lang="en-US" altLang="zh-CN" dirty="0"/>
+              <a:t>();--</a:t>
+            </a:r>
+            <a:r>
+              <a:rPr lang="zh-CN" altLang="en-US" dirty="0"/>
+              <a:t>无返回值方法</a:t>
+            </a:r>
+            <a:endParaRPr lang="en-US" altLang="zh-CN" dirty="0"/>
           </a:p>
           <a:p>
             <a:endParaRPr lang="zh-CN" altLang="en-US" dirty="0"/>
